--- a/ExperimentalDesignCourseSlides2018.pptx
+++ b/ExperimentalDesignCourseSlides2018.pptx
@@ -148,7 +148,7 @@
   </p:defaultTextStyle>
   <p:extLst>
     <p:ext uri="{EFAFB233-063F-42B5-8137-9DF3F51BA10A}">
-      <p15:sldGuideLst xmlns:p15="http://schemas.microsoft.com/office/powerpoint/2012/main" xmlns="">
+      <p15:sldGuideLst xmlns:p15="http://schemas.microsoft.com/office/powerpoint/2012/main">
         <p15:guide id="1" orient="horz" pos="1088">
           <p15:clr>
             <a:srgbClr val="A4A3A4"/>
@@ -338,7 +338,7 @@
             <a:fld id="{D0E155D4-5C91-8347-8BAE-63384EA8F501}" type="datetimeFigureOut">
               <a:rPr lang="en-GB"/>
               <a:pPr/>
-              <a:t>26/10/18</a:t>
+              <a:t>29/10/2018</a:t>
             </a:fld>
             <a:endParaRPr lang="en-GB"/>
           </a:p>
@@ -506,7 +506,7 @@
             <a:fld id="{1B3C19E1-06D0-8D40-B36B-10A34F48B281}" type="datetimeFigureOut">
               <a:rPr lang="en-GB"/>
               <a:pPr/>
-              <a:t>26/10/18</a:t>
+              <a:t>29/10/2018</a:t>
             </a:fld>
             <a:endParaRPr lang="en-GB"/>
           </a:p>
@@ -1603,7 +1603,7 @@
           <a:ln/>
           <a:extLst>
             <a:ext uri="{FAA26D3D-D897-4be2-8F04-BA451C77F1D7}">
-              <ma14:placeholderFlag xmlns:ma14="http://schemas.microsoft.com/office/mac/drawingml/2011/main" val="1"/>
+              <ma14:placeholderFlag xmlns:ma14="http://schemas.microsoft.com/office/mac/drawingml/2011/main" xmlns="" val="1"/>
             </a:ext>
           </a:extLst>
         </p:spPr>
@@ -2089,7 +2089,7 @@
           <a:ln/>
           <a:extLst>
             <a:ext uri="{FAA26D3D-D897-4be2-8F04-BA451C77F1D7}">
-              <ma14:placeholderFlag xmlns:ma14="http://schemas.microsoft.com/office/mac/drawingml/2011/main" val="1"/>
+              <ma14:placeholderFlag xmlns:ma14="http://schemas.microsoft.com/office/mac/drawingml/2011/main" xmlns="" val="1"/>
             </a:ext>
           </a:extLst>
         </p:spPr>
@@ -2292,7 +2292,7 @@
           <a:ln/>
           <a:extLst>
             <a:ext uri="{FAA26D3D-D897-4be2-8F04-BA451C77F1D7}">
-              <ma14:placeholderFlag xmlns:ma14="http://schemas.microsoft.com/office/mac/drawingml/2011/main" val="1"/>
+              <ma14:placeholderFlag xmlns:ma14="http://schemas.microsoft.com/office/mac/drawingml/2011/main" xmlns="" val="1"/>
             </a:ext>
           </a:extLst>
         </p:spPr>
@@ -2777,7 +2777,7 @@
           <a:ln/>
           <a:extLst>
             <a:ext uri="{FAA26D3D-D897-4be2-8F04-BA451C77F1D7}">
-              <ma14:placeholderFlag xmlns:ma14="http://schemas.microsoft.com/office/mac/drawingml/2011/main" val="1"/>
+              <ma14:placeholderFlag xmlns:ma14="http://schemas.microsoft.com/office/mac/drawingml/2011/main" xmlns="" val="1"/>
             </a:ext>
           </a:extLst>
         </p:spPr>
@@ -2851,14 +2851,14 @@
           </a:ln>
           <a:extLst>
             <a:ext uri="{909E8E84-426E-40dd-AFC4-6F175D3DCCD1}">
-              <a14:hiddenFill xmlns:a14="http://schemas.microsoft.com/office/drawing/2010/main">
+              <a14:hiddenFill xmlns:a14="http://schemas.microsoft.com/office/drawing/2010/main" xmlns="">
                 <a:solidFill>
                   <a:schemeClr val="accent1"/>
                 </a:solidFill>
               </a14:hiddenFill>
             </a:ext>
             <a:ext uri="{91240B29-F687-4f45-9708-019B960494DF}">
-              <a14:hiddenLine xmlns:a14="http://schemas.microsoft.com/office/drawing/2010/main" w="9525">
+              <a14:hiddenLine xmlns:a14="http://schemas.microsoft.com/office/drawing/2010/main" xmlns="" w="9525">
                 <a:solidFill>
                   <a:schemeClr val="tx1"/>
                 </a:solidFill>
@@ -2868,7 +2868,7 @@
               </a14:hiddenLine>
             </a:ext>
             <a:ext uri="{FAA26D3D-D897-4be2-8F04-BA451C77F1D7}">
-              <ma14:placeholderFlag xmlns:ma14="http://schemas.microsoft.com/office/mac/drawingml/2011/main" val="1"/>
+              <ma14:placeholderFlag xmlns:ma14="http://schemas.microsoft.com/office/mac/drawingml/2011/main" xmlns="" val="1"/>
             </a:ext>
           </a:extLst>
         </p:spPr>
@@ -3011,7 +3011,7 @@
           <a:ln/>
           <a:extLst>
             <a:ext uri="{FAA26D3D-D897-4be2-8F04-BA451C77F1D7}">
-              <ma14:placeholderFlag xmlns:ma14="http://schemas.microsoft.com/office/mac/drawingml/2011/main" val="1"/>
+              <ma14:placeholderFlag xmlns:ma14="http://schemas.microsoft.com/office/mac/drawingml/2011/main" xmlns="" val="1"/>
             </a:ext>
           </a:extLst>
         </p:spPr>
@@ -3214,7 +3214,7 @@
           <a:ln/>
           <a:extLst>
             <a:ext uri="{FAA26D3D-D897-4be2-8F04-BA451C77F1D7}">
-              <ma14:placeholderFlag xmlns:ma14="http://schemas.microsoft.com/office/mac/drawingml/2011/main" val="1"/>
+              <ma14:placeholderFlag xmlns:ma14="http://schemas.microsoft.com/office/mac/drawingml/2011/main" xmlns="" val="1"/>
             </a:ext>
           </a:extLst>
         </p:spPr>
@@ -4469,7 +4469,7 @@
           <a:p>
             <a:fld id="{53D4C85A-C092-C445-B3F4-CA991BDDF15D}" type="datetime2">
               <a:rPr lang="en-GB" smtClean="0"/>
-              <a:t>Friday, 26 October 18</a:t>
+              <a:t>Monday, 29 October 2018</a:t>
             </a:fld>
             <a:endParaRPr lang="en-GB" dirty="0"/>
           </a:p>
@@ -4713,7 +4713,7 @@
           <a:p>
             <a:fld id="{4A192F21-4BCA-1249-918B-23E38494B308}" type="datetime2">
               <a:rPr lang="en-GB" smtClean="0"/>
-              <a:t>Friday, 26 October 18</a:t>
+              <a:t>Monday, 29 October 2018</a:t>
             </a:fld>
             <a:endParaRPr lang="en-GB" dirty="0"/>
           </a:p>
@@ -5053,7 +5053,7 @@
           <a:p>
             <a:fld id="{CD910D4F-763F-8A40-9D15-9146411978C2}" type="datetime2">
               <a:rPr lang="en-GB" smtClean="0"/>
-              <a:t>Friday, 26 October 18</a:t>
+              <a:t>Monday, 29 October 2018</a:t>
             </a:fld>
             <a:endParaRPr lang="en-GB" dirty="0"/>
           </a:p>
@@ -5294,7 +5294,7 @@
           <a:p>
             <a:fld id="{6B5FEBA2-C68D-584B-9DC7-1703543AC65D}" type="datetime2">
               <a:rPr lang="en-GB" smtClean="0"/>
-              <a:t>Friday, 26 October 18</a:t>
+              <a:t>Monday, 29 October 2018</a:t>
             </a:fld>
             <a:endParaRPr lang="en-GB" dirty="0"/>
           </a:p>
@@ -5570,7 +5570,7 @@
           <a:p>
             <a:fld id="{894566AE-8241-BB44-860E-CD35256A8692}" type="datetime2">
               <a:rPr lang="en-GB" smtClean="0"/>
-              <a:t>Friday, 26 October 18</a:t>
+              <a:t>Monday, 29 October 2018</a:t>
             </a:fld>
             <a:endParaRPr lang="en-GB" dirty="0"/>
           </a:p>
@@ -5854,7 +5854,7 @@
           <a:p>
             <a:fld id="{E6174831-FF86-8A42-B12C-77F2D23392DC}" type="datetime2">
               <a:rPr lang="en-GB" smtClean="0"/>
-              <a:t>Friday, 26 October 18</a:t>
+              <a:t>Monday, 29 October 2018</a:t>
             </a:fld>
             <a:endParaRPr lang="en-GB" dirty="0"/>
           </a:p>
@@ -6278,7 +6278,7 @@
           <a:p>
             <a:fld id="{3FF6E940-AE9C-AD41-871E-2263FB7B9E1C}" type="datetime2">
               <a:rPr lang="en-GB" smtClean="0"/>
-              <a:t>Friday, 26 October 18</a:t>
+              <a:t>Monday, 29 October 2018</a:t>
             </a:fld>
             <a:endParaRPr lang="en-GB" dirty="0"/>
           </a:p>
@@ -6614,7 +6614,7 @@
           <a:p>
             <a:fld id="{9B316AFB-DA9E-9749-A99E-9EB0A026EE1C}" type="datetime2">
               <a:rPr lang="en-GB" smtClean="0"/>
-              <a:t>Friday, 26 October 18</a:t>
+              <a:t>Monday, 29 October 2018</a:t>
             </a:fld>
             <a:endParaRPr lang="en-GB" dirty="0"/>
           </a:p>
@@ -6950,7 +6950,7 @@
           <a:p>
             <a:fld id="{B76E8DD9-6228-2049-B4E6-DF9E244A8CEA}" type="datetime2">
               <a:rPr lang="en-GB" smtClean="0"/>
-              <a:t>Friday, 26 October 18</a:t>
+              <a:t>Monday, 29 October 2018</a:t>
             </a:fld>
             <a:endParaRPr lang="en-GB" dirty="0"/>
           </a:p>
@@ -7286,7 +7286,7 @@
           <a:p>
             <a:fld id="{97270DE7-3E12-984F-B343-A439BFFC8597}" type="datetime2">
               <a:rPr lang="en-GB" smtClean="0"/>
-              <a:t>Friday, 26 October 18</a:t>
+              <a:t>Monday, 29 October 2018</a:t>
             </a:fld>
             <a:endParaRPr lang="en-GB" dirty="0"/>
           </a:p>
@@ -7491,7 +7491,7 @@
           <a:p>
             <a:fld id="{CE6A9FFC-EF8E-7D4C-972F-C0BAD8D102FE}" type="datetime2">
               <a:rPr lang="en-GB" smtClean="0"/>
-              <a:t>Friday, 26 October 18</a:t>
+              <a:t>Monday, 29 October 2018</a:t>
             </a:fld>
             <a:endParaRPr lang="en-GB" dirty="0"/>
           </a:p>
@@ -7669,7 +7669,7 @@
           <a:p>
             <a:fld id="{7CC2B672-0C63-3540-B4F9-739D3BDDD65A}" type="datetime2">
               <a:rPr lang="en-GB" smtClean="0"/>
-              <a:t>Friday, 26 October 18</a:t>
+              <a:t>Monday, 29 October 2018</a:t>
             </a:fld>
             <a:endParaRPr lang="en-GB" dirty="0"/>
           </a:p>
@@ -8379,7 +8379,7 @@
               <a:defRPr/>
             </a:pPr>
             <a:r>
-              <a:rPr lang="en-GB" b="1" cap="all" dirty="0" smtClean="0">
+              <a:rPr lang="en-GB" b="1" cap="all" dirty="0">
                 <a:solidFill>
                   <a:schemeClr val="tx2">
                     <a:lumMod val="50000"/>
@@ -8393,7 +8393,7 @@
               <a:t>Kamal </a:t>
             </a:r>
             <a:r>
-              <a:rPr lang="en-GB" b="1" cap="all" dirty="0" err="1" smtClean="0">
+              <a:rPr lang="en-GB" b="1" cap="all" dirty="0" err="1">
                 <a:solidFill>
                   <a:schemeClr val="tx2">
                     <a:lumMod val="50000"/>
@@ -8503,7 +8503,7 @@
               <a:defRPr/>
             </a:pPr>
             <a:r>
-              <a:rPr lang="en-GB" b="1" cap="all" dirty="0" smtClean="0">
+              <a:rPr lang="en-GB" b="1" cap="all" dirty="0">
                 <a:solidFill>
                   <a:schemeClr val="tx2">
                     <a:lumMod val="50000"/>
@@ -8517,7 +8517,7 @@
               <a:t>29 </a:t>
             </a:r>
             <a:r>
-              <a:rPr lang="en-GB" b="1" cap="all" dirty="0" err="1" smtClean="0">
+              <a:rPr lang="en-GB" b="1" cap="all" dirty="0" err="1">
                 <a:solidFill>
                   <a:schemeClr val="tx2">
                     <a:lumMod val="50000"/>
@@ -8531,7 +8531,7 @@
               <a:t>october</a:t>
             </a:r>
             <a:r>
-              <a:rPr lang="en-GB" b="1" cap="all" dirty="0" smtClean="0">
+              <a:rPr lang="en-GB" b="1" cap="all" dirty="0">
                 <a:solidFill>
                   <a:schemeClr val="tx2">
                     <a:lumMod val="50000"/>
@@ -8606,7 +8606,7 @@
           <p:cNvPr id="3" name="TextBox 2">
             <a:extLst>
               <a:ext uri="{FF2B5EF4-FFF2-40B4-BE49-F238E27FC236}">
-                <a16:creationId xmlns:a16="http://schemas.microsoft.com/office/drawing/2014/main" xmlns="" id="{C35D55FE-1AB8-4056-B21F-379C6C2334D5}"/>
+                <a16:creationId xmlns:a16="http://schemas.microsoft.com/office/drawing/2014/main" id="{C35D55FE-1AB8-4056-B21F-379C6C2334D5}"/>
               </a:ext>
             </a:extLst>
           </p:cNvPr>
@@ -9022,14 +9022,14 @@
           </a:ln>
           <a:extLst>
             <a:ext uri="{909E8E84-426E-40dd-AFC4-6F175D3DCCD1}">
-              <a14:hiddenFill xmlns:a14="http://schemas.microsoft.com/office/drawing/2010/main">
+              <a14:hiddenFill xmlns:a14="http://schemas.microsoft.com/office/drawing/2010/main" xmlns="">
                 <a:solidFill>
                   <a:srgbClr val="FFFFFF"/>
                 </a:solidFill>
               </a14:hiddenFill>
             </a:ext>
             <a:ext uri="{91240B29-F687-4f45-9708-019B960494DF}">
-              <a14:hiddenLine xmlns:a14="http://schemas.microsoft.com/office/drawing/2010/main" w="9525">
+              <a14:hiddenLine xmlns:a14="http://schemas.microsoft.com/office/drawing/2010/main" xmlns="" w="9525">
                 <a:solidFill>
                   <a:srgbClr val="000000"/>
                 </a:solidFill>
@@ -9046,7 +9046,7 @@
           <p:cNvPr id="3" name="Rectangle 2">
             <a:extLst>
               <a:ext uri="{FF2B5EF4-FFF2-40B4-BE49-F238E27FC236}">
-                <a16:creationId xmlns:a16="http://schemas.microsoft.com/office/drawing/2014/main" xmlns="" id="{9921A2BC-35A1-4E3F-B132-B2D4176F1538}"/>
+                <a16:creationId xmlns:a16="http://schemas.microsoft.com/office/drawing/2014/main" id="{9921A2BC-35A1-4E3F-B132-B2D4176F1538}"/>
               </a:ext>
             </a:extLst>
           </p:cNvPr>
@@ -10343,7 +10343,7 @@
           <p:cNvPr id="3" name="Picture 2">
             <a:extLst>
               <a:ext uri="{FF2B5EF4-FFF2-40B4-BE49-F238E27FC236}">
-                <a16:creationId xmlns:a16="http://schemas.microsoft.com/office/drawing/2014/main" xmlns="" id="{01F85D3F-4AB8-4643-B665-91A2D1AB960D}"/>
+                <a16:creationId xmlns:a16="http://schemas.microsoft.com/office/drawing/2014/main" id="{01F85D3F-4AB8-4643-B665-91A2D1AB960D}"/>
               </a:ext>
             </a:extLst>
           </p:cNvPr>
@@ -12854,14 +12854,14 @@
           </a:ln>
           <a:extLst>
             <a:ext uri="{909E8E84-426E-40dd-AFC4-6F175D3DCCD1}">
-              <a14:hiddenFill xmlns:a14="http://schemas.microsoft.com/office/drawing/2010/main">
+              <a14:hiddenFill xmlns:a14="http://schemas.microsoft.com/office/drawing/2010/main" xmlns="">
                 <a:solidFill>
                   <a:schemeClr val="accent1"/>
                 </a:solidFill>
               </a14:hiddenFill>
             </a:ext>
             <a:ext uri="{91240B29-F687-4f45-9708-019B960494DF}">
-              <a14:hiddenLine xmlns:a14="http://schemas.microsoft.com/office/drawing/2010/main" w="9525">
+              <a14:hiddenLine xmlns:a14="http://schemas.microsoft.com/office/drawing/2010/main" xmlns="" w="9525">
                 <a:solidFill>
                   <a:schemeClr val="tx1"/>
                 </a:solidFill>
@@ -12889,7 +12889,7 @@
           <p:cNvPr id="3" name="Picture 2">
             <a:extLst>
               <a:ext uri="{FF2B5EF4-FFF2-40B4-BE49-F238E27FC236}">
-                <a16:creationId xmlns:a16="http://schemas.microsoft.com/office/drawing/2014/main" xmlns="" id="{5B45CAF3-51E1-4CAD-84FA-BCDBA2D737A0}"/>
+                <a16:creationId xmlns:a16="http://schemas.microsoft.com/office/drawing/2014/main" id="{5B45CAF3-51E1-4CAD-84FA-BCDBA2D737A0}"/>
               </a:ext>
             </a:extLst>
           </p:cNvPr>
@@ -13170,14 +13170,14 @@
           </a:ln>
           <a:extLst>
             <a:ext uri="{909E8E84-426E-40dd-AFC4-6F175D3DCCD1}">
-              <a14:hiddenFill xmlns:a14="http://schemas.microsoft.com/office/drawing/2010/main">
+              <a14:hiddenFill xmlns:a14="http://schemas.microsoft.com/office/drawing/2010/main" xmlns="">
                 <a:solidFill>
                   <a:srgbClr val="FFFFFF"/>
                 </a:solidFill>
               </a14:hiddenFill>
             </a:ext>
             <a:ext uri="{91240B29-F687-4f45-9708-019B960494DF}">
-              <a14:hiddenLine xmlns:a14="http://schemas.microsoft.com/office/drawing/2010/main" w="9525">
+              <a14:hiddenLine xmlns:a14="http://schemas.microsoft.com/office/drawing/2010/main" xmlns="" w="9525">
                 <a:solidFill>
                   <a:srgbClr val="000000"/>
                 </a:solidFill>
@@ -13211,14 +13211,14 @@
           </a:ln>
           <a:extLst>
             <a:ext uri="{909E8E84-426E-40dd-AFC4-6F175D3DCCD1}">
-              <a14:hiddenFill xmlns:a14="http://schemas.microsoft.com/office/drawing/2010/main">
+              <a14:hiddenFill xmlns:a14="http://schemas.microsoft.com/office/drawing/2010/main" xmlns="">
                 <a:solidFill>
                   <a:srgbClr val="FFFFFF"/>
                 </a:solidFill>
               </a14:hiddenFill>
             </a:ext>
             <a:ext uri="{91240B29-F687-4f45-9708-019B960494DF}">
-              <a14:hiddenLine xmlns:a14="http://schemas.microsoft.com/office/drawing/2010/main" w="9525">
+              <a14:hiddenLine xmlns:a14="http://schemas.microsoft.com/office/drawing/2010/main" xmlns="" w="9525">
                 <a:solidFill>
                   <a:srgbClr val="000000"/>
                 </a:solidFill>
@@ -13387,14 +13387,14 @@
           </a:ln>
           <a:extLst>
             <a:ext uri="{909E8E84-426E-40dd-AFC4-6F175D3DCCD1}">
-              <a14:hiddenFill xmlns:a14="http://schemas.microsoft.com/office/drawing/2010/main">
+              <a14:hiddenFill xmlns:a14="http://schemas.microsoft.com/office/drawing/2010/main" xmlns="">
                 <a:solidFill>
                   <a:srgbClr val="FFFFFF"/>
                 </a:solidFill>
               </a14:hiddenFill>
             </a:ext>
             <a:ext uri="{91240B29-F687-4f45-9708-019B960494DF}">
-              <a14:hiddenLine xmlns:a14="http://schemas.microsoft.com/office/drawing/2010/main" w="9525">
+              <a14:hiddenLine xmlns:a14="http://schemas.microsoft.com/office/drawing/2010/main" xmlns="" w="9525">
                 <a:solidFill>
                   <a:srgbClr val="000000"/>
                 </a:solidFill>
@@ -13793,7 +13793,7 @@
   <p:timing>
     <p:tnLst>
       <p:par>
-        <p:cTn xmlns:p14="http://schemas.microsoft.com/office/powerpoint/2010/main" id="1" dur="indefinite" restart="never" nodeType="tmRoot">
+        <p:cTn id="1" dur="indefinite" restart="never" nodeType="tmRoot">
           <p:childTnLst>
             <p:seq concurrent="1" nextAc="seek">
               <p:cTn id="2" dur="indefinite" nodeType="mainSeq">
@@ -14130,7 +14130,7 @@
   <p:timing>
     <p:tnLst>
       <p:par>
-        <p:cTn xmlns:p14="http://schemas.microsoft.com/office/powerpoint/2010/main" id="1" dur="indefinite" restart="never" nodeType="tmRoot">
+        <p:cTn id="1" dur="indefinite" restart="never" nodeType="tmRoot">
           <p:childTnLst>
             <p:seq concurrent="1" nextAc="seek">
               <p:cTn id="2" dur="indefinite" nodeType="mainSeq">
@@ -14292,14 +14292,14 @@
           </a:ln>
           <a:extLst>
             <a:ext uri="{909E8E84-426E-40dd-AFC4-6F175D3DCCD1}">
-              <a14:hiddenFill xmlns:a14="http://schemas.microsoft.com/office/drawing/2010/main">
+              <a14:hiddenFill xmlns:a14="http://schemas.microsoft.com/office/drawing/2010/main" xmlns="">
                 <a:solidFill>
                   <a:srgbClr val="FFFFFF"/>
                 </a:solidFill>
               </a14:hiddenFill>
             </a:ext>
             <a:ext uri="{91240B29-F687-4f45-9708-019B960494DF}">
-              <a14:hiddenLine xmlns:a14="http://schemas.microsoft.com/office/drawing/2010/main" w="9525">
+              <a14:hiddenLine xmlns:a14="http://schemas.microsoft.com/office/drawing/2010/main" xmlns="" w="9525">
                 <a:solidFill>
                   <a:srgbClr val="000000"/>
                 </a:solidFill>
@@ -14333,14 +14333,14 @@
           </a:ln>
           <a:extLst>
             <a:ext uri="{909E8E84-426E-40dd-AFC4-6F175D3DCCD1}">
-              <a14:hiddenFill xmlns:a14="http://schemas.microsoft.com/office/drawing/2010/main">
+              <a14:hiddenFill xmlns:a14="http://schemas.microsoft.com/office/drawing/2010/main" xmlns="">
                 <a:solidFill>
                   <a:schemeClr val="accent1"/>
                 </a:solidFill>
               </a14:hiddenFill>
             </a:ext>
             <a:ext uri="{91240B29-F687-4f45-9708-019B960494DF}">
-              <a14:hiddenLine xmlns:a14="http://schemas.microsoft.com/office/drawing/2010/main" w="9525">
+              <a14:hiddenLine xmlns:a14="http://schemas.microsoft.com/office/drawing/2010/main" xmlns="" w="9525">
                 <a:solidFill>
                   <a:schemeClr val="tx1"/>
                 </a:solidFill>
@@ -14838,14 +14838,14 @@
           </a:ln>
           <a:extLst>
             <a:ext uri="{909E8E84-426E-40dd-AFC4-6F175D3DCCD1}">
-              <a14:hiddenFill xmlns:a14="http://schemas.microsoft.com/office/drawing/2010/main">
+              <a14:hiddenFill xmlns:a14="http://schemas.microsoft.com/office/drawing/2010/main" xmlns="">
                 <a:solidFill>
                   <a:srgbClr val="FFFFFF"/>
                 </a:solidFill>
               </a14:hiddenFill>
             </a:ext>
             <a:ext uri="{91240B29-F687-4f45-9708-019B960494DF}">
-              <a14:hiddenLine xmlns:a14="http://schemas.microsoft.com/office/drawing/2010/main" w="9525">
+              <a14:hiddenLine xmlns:a14="http://schemas.microsoft.com/office/drawing/2010/main" xmlns="" w="9525">
                 <a:solidFill>
                   <a:srgbClr val="000000"/>
                 </a:solidFill>
@@ -14879,14 +14879,14 @@
           </a:ln>
           <a:extLst>
             <a:ext uri="{909E8E84-426E-40dd-AFC4-6F175D3DCCD1}">
-              <a14:hiddenFill xmlns:a14="http://schemas.microsoft.com/office/drawing/2010/main">
+              <a14:hiddenFill xmlns:a14="http://schemas.microsoft.com/office/drawing/2010/main" xmlns="">
                 <a:solidFill>
                   <a:schemeClr val="accent1"/>
                 </a:solidFill>
               </a14:hiddenFill>
             </a:ext>
             <a:ext uri="{91240B29-F687-4f45-9708-019B960494DF}">
-              <a14:hiddenLine xmlns:a14="http://schemas.microsoft.com/office/drawing/2010/main" w="9525">
+              <a14:hiddenLine xmlns:a14="http://schemas.microsoft.com/office/drawing/2010/main" xmlns="" w="9525">
                 <a:solidFill>
                   <a:schemeClr val="tx1"/>
                 </a:solidFill>
@@ -15057,14 +15057,14 @@
           </a:ln>
           <a:extLst>
             <a:ext uri="{909E8E84-426E-40dd-AFC4-6F175D3DCCD1}">
-              <a14:hiddenFill xmlns:a14="http://schemas.microsoft.com/office/drawing/2010/main">
+              <a14:hiddenFill xmlns:a14="http://schemas.microsoft.com/office/drawing/2010/main" xmlns="">
                 <a:solidFill>
                   <a:srgbClr val="FFFFFF"/>
                 </a:solidFill>
               </a14:hiddenFill>
             </a:ext>
             <a:ext uri="{91240B29-F687-4f45-9708-019B960494DF}">
-              <a14:hiddenLine xmlns:a14="http://schemas.microsoft.com/office/drawing/2010/main" w="9525">
+              <a14:hiddenLine xmlns:a14="http://schemas.microsoft.com/office/drawing/2010/main" xmlns="" w="9525">
                 <a:solidFill>
                   <a:srgbClr val="000000"/>
                 </a:solidFill>
@@ -15098,14 +15098,14 @@
           </a:ln>
           <a:extLst>
             <a:ext uri="{909E8E84-426E-40dd-AFC4-6F175D3DCCD1}">
-              <a14:hiddenFill xmlns:a14="http://schemas.microsoft.com/office/drawing/2010/main">
+              <a14:hiddenFill xmlns:a14="http://schemas.microsoft.com/office/drawing/2010/main" xmlns="">
                 <a:solidFill>
                   <a:schemeClr val="accent1"/>
                 </a:solidFill>
               </a14:hiddenFill>
             </a:ext>
             <a:ext uri="{91240B29-F687-4f45-9708-019B960494DF}">
-              <a14:hiddenLine xmlns:a14="http://schemas.microsoft.com/office/drawing/2010/main" w="9525">
+              <a14:hiddenLine xmlns:a14="http://schemas.microsoft.com/office/drawing/2010/main" xmlns="" w="9525">
                 <a:solidFill>
                   <a:schemeClr val="tx1"/>
                 </a:solidFill>
@@ -15276,14 +15276,14 @@
           </a:ln>
           <a:extLst>
             <a:ext uri="{909E8E84-426E-40dd-AFC4-6F175D3DCCD1}">
-              <a14:hiddenFill xmlns:a14="http://schemas.microsoft.com/office/drawing/2010/main">
+              <a14:hiddenFill xmlns:a14="http://schemas.microsoft.com/office/drawing/2010/main" xmlns="">
                 <a:solidFill>
                   <a:srgbClr val="FFFFFF"/>
                 </a:solidFill>
               </a14:hiddenFill>
             </a:ext>
             <a:ext uri="{91240B29-F687-4f45-9708-019B960494DF}">
-              <a14:hiddenLine xmlns:a14="http://schemas.microsoft.com/office/drawing/2010/main" w="9525">
+              <a14:hiddenLine xmlns:a14="http://schemas.microsoft.com/office/drawing/2010/main" xmlns="" w="9525">
                 <a:solidFill>
                   <a:srgbClr val="000000"/>
                 </a:solidFill>
@@ -15317,14 +15317,14 @@
           </a:ln>
           <a:extLst>
             <a:ext uri="{909E8E84-426E-40dd-AFC4-6F175D3DCCD1}">
-              <a14:hiddenFill xmlns:a14="http://schemas.microsoft.com/office/drawing/2010/main">
+              <a14:hiddenFill xmlns:a14="http://schemas.microsoft.com/office/drawing/2010/main" xmlns="">
                 <a:solidFill>
                   <a:schemeClr val="accent1"/>
                 </a:solidFill>
               </a14:hiddenFill>
             </a:ext>
             <a:ext uri="{91240B29-F687-4f45-9708-019B960494DF}">
-              <a14:hiddenLine xmlns:a14="http://schemas.microsoft.com/office/drawing/2010/main" w="9525">
+              <a14:hiddenLine xmlns:a14="http://schemas.microsoft.com/office/drawing/2010/main" xmlns="" w="9525">
                 <a:solidFill>
                   <a:schemeClr val="tx1"/>
                 </a:solidFill>
@@ -15482,14 +15482,14 @@
           </a:ln>
           <a:extLst>
             <a:ext uri="{909E8E84-426E-40dd-AFC4-6F175D3DCCD1}">
-              <a14:hiddenFill xmlns:a14="http://schemas.microsoft.com/office/drawing/2010/main">
+              <a14:hiddenFill xmlns:a14="http://schemas.microsoft.com/office/drawing/2010/main" xmlns="">
                 <a:solidFill>
                   <a:schemeClr val="accent1"/>
                 </a:solidFill>
               </a14:hiddenFill>
             </a:ext>
             <a:ext uri="{91240B29-F687-4f45-9708-019B960494DF}">
-              <a14:hiddenLine xmlns:a14="http://schemas.microsoft.com/office/drawing/2010/main" w="9525">
+              <a14:hiddenLine xmlns:a14="http://schemas.microsoft.com/office/drawing/2010/main" xmlns="" w="9525">
                 <a:solidFill>
                   <a:schemeClr val="tx1"/>
                 </a:solidFill>
@@ -15644,14 +15644,14 @@
           </a:ln>
           <a:extLst>
             <a:ext uri="{909E8E84-426E-40dd-AFC4-6F175D3DCCD1}">
-              <a14:hiddenFill xmlns:a14="http://schemas.microsoft.com/office/drawing/2010/main">
+              <a14:hiddenFill xmlns:a14="http://schemas.microsoft.com/office/drawing/2010/main" xmlns="">
                 <a:solidFill>
                   <a:schemeClr val="accent1"/>
                 </a:solidFill>
               </a14:hiddenFill>
             </a:ext>
             <a:ext uri="{91240B29-F687-4f45-9708-019B960494DF}">
-              <a14:hiddenLine xmlns:a14="http://schemas.microsoft.com/office/drawing/2010/main" w="9525">
+              <a14:hiddenLine xmlns:a14="http://schemas.microsoft.com/office/drawing/2010/main" xmlns="" w="9525">
                 <a:solidFill>
                   <a:schemeClr val="tx1"/>
                 </a:solidFill>
@@ -15806,14 +15806,14 @@
           </a:ln>
           <a:extLst>
             <a:ext uri="{909E8E84-426E-40dd-AFC4-6F175D3DCCD1}">
-              <a14:hiddenFill xmlns:a14="http://schemas.microsoft.com/office/drawing/2010/main">
+              <a14:hiddenFill xmlns:a14="http://schemas.microsoft.com/office/drawing/2010/main" xmlns="">
                 <a:solidFill>
                   <a:schemeClr val="accent1"/>
                 </a:solidFill>
               </a14:hiddenFill>
             </a:ext>
             <a:ext uri="{91240B29-F687-4f45-9708-019B960494DF}">
-              <a14:hiddenLine xmlns:a14="http://schemas.microsoft.com/office/drawing/2010/main" w="9525">
+              <a14:hiddenLine xmlns:a14="http://schemas.microsoft.com/office/drawing/2010/main" xmlns="" w="9525">
                 <a:solidFill>
                   <a:schemeClr val="tx1"/>
                 </a:solidFill>
@@ -15968,14 +15968,14 @@
           </a:ln>
           <a:extLst>
             <a:ext uri="{909E8E84-426E-40dd-AFC4-6F175D3DCCD1}">
-              <a14:hiddenFill xmlns:a14="http://schemas.microsoft.com/office/drawing/2010/main">
+              <a14:hiddenFill xmlns:a14="http://schemas.microsoft.com/office/drawing/2010/main" xmlns="">
                 <a:solidFill>
                   <a:schemeClr val="accent1"/>
                 </a:solidFill>
               </a14:hiddenFill>
             </a:ext>
             <a:ext uri="{91240B29-F687-4f45-9708-019B960494DF}">
-              <a14:hiddenLine xmlns:a14="http://schemas.microsoft.com/office/drawing/2010/main" w="9525">
+              <a14:hiddenLine xmlns:a14="http://schemas.microsoft.com/office/drawing/2010/main" xmlns="" w="9525">
                 <a:solidFill>
                   <a:schemeClr val="tx1"/>
                 </a:solidFill>
@@ -16136,14 +16136,14 @@
           </a:ln>
           <a:extLst>
             <a:ext uri="{909E8E84-426E-40dd-AFC4-6F175D3DCCD1}">
-              <a14:hiddenFill xmlns:a14="http://schemas.microsoft.com/office/drawing/2010/main">
+              <a14:hiddenFill xmlns:a14="http://schemas.microsoft.com/office/drawing/2010/main" xmlns="">
                 <a:solidFill>
                   <a:schemeClr val="accent1"/>
                 </a:solidFill>
               </a14:hiddenFill>
             </a:ext>
             <a:ext uri="{91240B29-F687-4f45-9708-019B960494DF}">
-              <a14:hiddenLine xmlns:a14="http://schemas.microsoft.com/office/drawing/2010/main" w="9525">
+              <a14:hiddenLine xmlns:a14="http://schemas.microsoft.com/office/drawing/2010/main" xmlns="" w="9525">
                 <a:solidFill>
                   <a:schemeClr val="tx1"/>
                 </a:solidFill>
@@ -16339,14 +16339,14 @@
           </a:ln>
           <a:extLst>
             <a:ext uri="{909E8E84-426E-40dd-AFC4-6F175D3DCCD1}">
-              <a14:hiddenFill xmlns:a14="http://schemas.microsoft.com/office/drawing/2010/main">
+              <a14:hiddenFill xmlns:a14="http://schemas.microsoft.com/office/drawing/2010/main" xmlns="">
                 <a:solidFill>
                   <a:srgbClr val="FFFFFF"/>
                 </a:solidFill>
               </a14:hiddenFill>
             </a:ext>
             <a:ext uri="{91240B29-F687-4f45-9708-019B960494DF}">
-              <a14:hiddenLine xmlns:a14="http://schemas.microsoft.com/office/drawing/2010/main" w="9525">
+              <a14:hiddenLine xmlns:a14="http://schemas.microsoft.com/office/drawing/2010/main" xmlns="" w="9525">
                 <a:solidFill>
                   <a:srgbClr val="000000"/>
                 </a:solidFill>
@@ -17882,14 +17882,14 @@
           </a:ln>
           <a:extLst>
             <a:ext uri="{909E8E84-426E-40dd-AFC4-6F175D3DCCD1}">
-              <a14:hiddenFill xmlns:a14="http://schemas.microsoft.com/office/drawing/2010/main">
+              <a14:hiddenFill xmlns:a14="http://schemas.microsoft.com/office/drawing/2010/main" xmlns="">
                 <a:solidFill>
                   <a:srgbClr val="FFFFFF"/>
                 </a:solidFill>
               </a14:hiddenFill>
             </a:ext>
             <a:ext uri="{91240B29-F687-4f45-9708-019B960494DF}">
-              <a14:hiddenLine xmlns:a14="http://schemas.microsoft.com/office/drawing/2010/main" w="9525">
+              <a14:hiddenLine xmlns:a14="http://schemas.microsoft.com/office/drawing/2010/main" xmlns="" w="9525">
                 <a:solidFill>
                   <a:srgbClr val="000000"/>
                 </a:solidFill>
@@ -18049,14 +18049,14 @@
           </a:ln>
           <a:extLst>
             <a:ext uri="{909E8E84-426E-40dd-AFC4-6F175D3DCCD1}">
-              <a14:hiddenFill xmlns:a14="http://schemas.microsoft.com/office/drawing/2010/main">
+              <a14:hiddenFill xmlns:a14="http://schemas.microsoft.com/office/drawing/2010/main" xmlns="">
                 <a:solidFill>
                   <a:srgbClr val="FFFFFF"/>
                 </a:solidFill>
               </a14:hiddenFill>
             </a:ext>
             <a:ext uri="{91240B29-F687-4f45-9708-019B960494DF}">
-              <a14:hiddenLine xmlns:a14="http://schemas.microsoft.com/office/drawing/2010/main" w="9525">
+              <a14:hiddenLine xmlns:a14="http://schemas.microsoft.com/office/drawing/2010/main" xmlns="" w="9525">
                 <a:solidFill>
                   <a:srgbClr val="000000"/>
                 </a:solidFill>
@@ -18227,7 +18227,7 @@
           </a:ln>
           <a:extLst>
             <a:ext uri="{909E8E84-426E-40dd-AFC4-6F175D3DCCD1}">
-              <a14:hiddenFill xmlns:a14="http://schemas.microsoft.com/office/drawing/2010/main">
+              <a14:hiddenFill xmlns:a14="http://schemas.microsoft.com/office/drawing/2010/main" xmlns="">
                 <a:solidFill>
                   <a:srgbClr val="FFFFFF"/>
                 </a:solidFill>
@@ -18276,7 +18276,7 @@
           </a:ln>
           <a:extLst>
             <a:ext uri="{909E8E84-426E-40dd-AFC4-6F175D3DCCD1}">
-              <a14:hiddenFill xmlns:a14="http://schemas.microsoft.com/office/drawing/2010/main">
+              <a14:hiddenFill xmlns:a14="http://schemas.microsoft.com/office/drawing/2010/main" xmlns="">
                 <a:solidFill>
                   <a:srgbClr val="FFFFFF"/>
                 </a:solidFill>
@@ -18320,7 +18320,7 @@
           </a:ln>
           <a:extLst>
             <a:ext uri="{91240B29-F687-4f45-9708-019B960494DF}">
-              <a14:hiddenLine xmlns:a14="http://schemas.microsoft.com/office/drawing/2010/main" w="9525">
+              <a14:hiddenLine xmlns:a14="http://schemas.microsoft.com/office/drawing/2010/main" xmlns="" w="9525">
                 <a:solidFill>
                   <a:srgbClr val="000000"/>
                 </a:solidFill>
@@ -18367,7 +18367,7 @@
           </a:ln>
           <a:extLst>
             <a:ext uri="{91240B29-F687-4f45-9708-019B960494DF}">
-              <a14:hiddenLine xmlns:a14="http://schemas.microsoft.com/office/drawing/2010/main" w="9525">
+              <a14:hiddenLine xmlns:a14="http://schemas.microsoft.com/office/drawing/2010/main" xmlns="" w="9525">
                 <a:solidFill>
                   <a:srgbClr val="000000"/>
                 </a:solidFill>
@@ -18414,7 +18414,7 @@
           </a:ln>
           <a:extLst>
             <a:ext uri="{91240B29-F687-4f45-9708-019B960494DF}">
-              <a14:hiddenLine xmlns:a14="http://schemas.microsoft.com/office/drawing/2010/main" w="9525">
+              <a14:hiddenLine xmlns:a14="http://schemas.microsoft.com/office/drawing/2010/main" xmlns="" w="9525">
                 <a:solidFill>
                   <a:srgbClr val="000000"/>
                 </a:solidFill>
@@ -18459,14 +18459,14 @@
           </a:ln>
           <a:extLst>
             <a:ext uri="{909E8E84-426E-40dd-AFC4-6F175D3DCCD1}">
-              <a14:hiddenFill xmlns:a14="http://schemas.microsoft.com/office/drawing/2010/main">
+              <a14:hiddenFill xmlns:a14="http://schemas.microsoft.com/office/drawing/2010/main" xmlns="">
                 <a:solidFill>
                   <a:srgbClr val="FFFFFF"/>
                 </a:solidFill>
               </a14:hiddenFill>
             </a:ext>
             <a:ext uri="{91240B29-F687-4f45-9708-019B960494DF}">
-              <a14:hiddenLine xmlns:a14="http://schemas.microsoft.com/office/drawing/2010/main" w="9525">
+              <a14:hiddenLine xmlns:a14="http://schemas.microsoft.com/office/drawing/2010/main" xmlns="" w="9525">
                 <a:solidFill>
                   <a:srgbClr val="000000"/>
                 </a:solidFill>
@@ -18621,14 +18621,14 @@
           </a:ln>
           <a:extLst>
             <a:ext uri="{909E8E84-426E-40dd-AFC4-6F175D3DCCD1}">
-              <a14:hiddenFill xmlns:a14="http://schemas.microsoft.com/office/drawing/2010/main">
+              <a14:hiddenFill xmlns:a14="http://schemas.microsoft.com/office/drawing/2010/main" xmlns="">
                 <a:solidFill>
                   <a:srgbClr val="FFFFFF"/>
                 </a:solidFill>
               </a14:hiddenFill>
             </a:ext>
             <a:ext uri="{91240B29-F687-4f45-9708-019B960494DF}">
-              <a14:hiddenLine xmlns:a14="http://schemas.microsoft.com/office/drawing/2010/main" w="9525">
+              <a14:hiddenLine xmlns:a14="http://schemas.microsoft.com/office/drawing/2010/main" xmlns="" w="9525">
                 <a:solidFill>
                   <a:srgbClr val="000000"/>
                 </a:solidFill>
@@ -18783,14 +18783,14 @@
           </a:ln>
           <a:extLst>
             <a:ext uri="{909E8E84-426E-40dd-AFC4-6F175D3DCCD1}">
-              <a14:hiddenFill xmlns:a14="http://schemas.microsoft.com/office/drawing/2010/main">
+              <a14:hiddenFill xmlns:a14="http://schemas.microsoft.com/office/drawing/2010/main" xmlns="">
                 <a:solidFill>
                   <a:srgbClr val="FFFFFF"/>
                 </a:solidFill>
               </a14:hiddenFill>
             </a:ext>
             <a:ext uri="{91240B29-F687-4f45-9708-019B960494DF}">
-              <a14:hiddenLine xmlns:a14="http://schemas.microsoft.com/office/drawing/2010/main" w="9525">
+              <a14:hiddenLine xmlns:a14="http://schemas.microsoft.com/office/drawing/2010/main" xmlns="" w="9525">
                 <a:solidFill>
                   <a:srgbClr val="000000"/>
                 </a:solidFill>
@@ -20106,14 +20106,14 @@
           </a:ln>
           <a:extLst>
             <a:ext uri="{909E8E84-426E-40dd-AFC4-6F175D3DCCD1}">
-              <a14:hiddenFill xmlns:a14="http://schemas.microsoft.com/office/drawing/2010/main">
+              <a14:hiddenFill xmlns:a14="http://schemas.microsoft.com/office/drawing/2010/main" xmlns="">
                 <a:solidFill>
                   <a:srgbClr val="FFFFFF"/>
                 </a:solidFill>
               </a14:hiddenFill>
             </a:ext>
             <a:ext uri="{91240B29-F687-4f45-9708-019B960494DF}">
-              <a14:hiddenLine xmlns:a14="http://schemas.microsoft.com/office/drawing/2010/main" w="9525">
+              <a14:hiddenLine xmlns:a14="http://schemas.microsoft.com/office/drawing/2010/main" xmlns="" w="9525">
                 <a:solidFill>
                   <a:srgbClr val="000000"/>
                 </a:solidFill>
@@ -20268,14 +20268,14 @@
           </a:ln>
           <a:extLst>
             <a:ext uri="{909E8E84-426E-40dd-AFC4-6F175D3DCCD1}">
-              <a14:hiddenFill xmlns:a14="http://schemas.microsoft.com/office/drawing/2010/main">
+              <a14:hiddenFill xmlns:a14="http://schemas.microsoft.com/office/drawing/2010/main" xmlns="">
                 <a:solidFill>
                   <a:srgbClr val="FFFFFF"/>
                 </a:solidFill>
               </a14:hiddenFill>
             </a:ext>
             <a:ext uri="{91240B29-F687-4f45-9708-019B960494DF}">
-              <a14:hiddenLine xmlns:a14="http://schemas.microsoft.com/office/drawing/2010/main" w="9525">
+              <a14:hiddenLine xmlns:a14="http://schemas.microsoft.com/office/drawing/2010/main" xmlns="" w="9525">
                 <a:solidFill>
                   <a:srgbClr val="000000"/>
                 </a:solidFill>
@@ -20430,14 +20430,14 @@
           </a:ln>
           <a:extLst>
             <a:ext uri="{909E8E84-426E-40dd-AFC4-6F175D3DCCD1}">
-              <a14:hiddenFill xmlns:a14="http://schemas.microsoft.com/office/drawing/2010/main">
+              <a14:hiddenFill xmlns:a14="http://schemas.microsoft.com/office/drawing/2010/main" xmlns="">
                 <a:solidFill>
                   <a:srgbClr val="FFFFFF"/>
                 </a:solidFill>
               </a14:hiddenFill>
             </a:ext>
             <a:ext uri="{91240B29-F687-4f45-9708-019B960494DF}">
-              <a14:hiddenLine xmlns:a14="http://schemas.microsoft.com/office/drawing/2010/main" w="9525">
+              <a14:hiddenLine xmlns:a14="http://schemas.microsoft.com/office/drawing/2010/main" xmlns="" w="9525">
                 <a:solidFill>
                   <a:srgbClr val="000000"/>
                 </a:solidFill>
@@ -20592,14 +20592,14 @@
           </a:ln>
           <a:extLst>
             <a:ext uri="{909E8E84-426E-40dd-AFC4-6F175D3DCCD1}">
-              <a14:hiddenFill xmlns:a14="http://schemas.microsoft.com/office/drawing/2010/main">
+              <a14:hiddenFill xmlns:a14="http://schemas.microsoft.com/office/drawing/2010/main" xmlns="">
                 <a:solidFill>
                   <a:srgbClr val="FFFFFF"/>
                 </a:solidFill>
               </a14:hiddenFill>
             </a:ext>
             <a:ext uri="{91240B29-F687-4f45-9708-019B960494DF}">
-              <a14:hiddenLine xmlns:a14="http://schemas.microsoft.com/office/drawing/2010/main" w="9525">
+              <a14:hiddenLine xmlns:a14="http://schemas.microsoft.com/office/drawing/2010/main" xmlns="" w="9525">
                 <a:solidFill>
                   <a:srgbClr val="000000"/>
                 </a:solidFill>
@@ -20754,14 +20754,14 @@
           </a:ln>
           <a:extLst>
             <a:ext uri="{909E8E84-426E-40dd-AFC4-6F175D3DCCD1}">
-              <a14:hiddenFill xmlns:a14="http://schemas.microsoft.com/office/drawing/2010/main">
+              <a14:hiddenFill xmlns:a14="http://schemas.microsoft.com/office/drawing/2010/main" xmlns="">
                 <a:solidFill>
                   <a:srgbClr val="FFFFFF"/>
                 </a:solidFill>
               </a14:hiddenFill>
             </a:ext>
             <a:ext uri="{91240B29-F687-4f45-9708-019B960494DF}">
-              <a14:hiddenLine xmlns:a14="http://schemas.microsoft.com/office/drawing/2010/main" w="9525">
+              <a14:hiddenLine xmlns:a14="http://schemas.microsoft.com/office/drawing/2010/main" xmlns="" w="9525">
                 <a:solidFill>
                   <a:srgbClr val="000000"/>
                 </a:solidFill>
@@ -20916,14 +20916,14 @@
           </a:ln>
           <a:extLst>
             <a:ext uri="{909E8E84-426E-40dd-AFC4-6F175D3DCCD1}">
-              <a14:hiddenFill xmlns:a14="http://schemas.microsoft.com/office/drawing/2010/main">
+              <a14:hiddenFill xmlns:a14="http://schemas.microsoft.com/office/drawing/2010/main" xmlns="">
                 <a:solidFill>
                   <a:srgbClr val="FFFFFF"/>
                 </a:solidFill>
               </a14:hiddenFill>
             </a:ext>
             <a:ext uri="{91240B29-F687-4f45-9708-019B960494DF}">
-              <a14:hiddenLine xmlns:a14="http://schemas.microsoft.com/office/drawing/2010/main" w="9525">
+              <a14:hiddenLine xmlns:a14="http://schemas.microsoft.com/office/drawing/2010/main" xmlns="" w="9525">
                 <a:solidFill>
                   <a:srgbClr val="000000"/>
                 </a:solidFill>
@@ -21120,14 +21120,14 @@
           <a:effectLst/>
           <a:extLst>
             <a:ext uri="{909E8E84-426E-40dd-AFC4-6F175D3DCCD1}">
-              <a14:hiddenFill xmlns:a14="http://schemas.microsoft.com/office/drawing/2010/main">
+              <a14:hiddenFill xmlns:a14="http://schemas.microsoft.com/office/drawing/2010/main" xmlns="">
                 <a:solidFill>
                   <a:schemeClr val="accent1"/>
                 </a:solidFill>
               </a14:hiddenFill>
             </a:ext>
             <a:ext uri="{91240B29-F687-4f45-9708-019B960494DF}">
-              <a14:hiddenLine xmlns:a14="http://schemas.microsoft.com/office/drawing/2010/main" w="9525">
+              <a14:hiddenLine xmlns:a14="http://schemas.microsoft.com/office/drawing/2010/main" xmlns="" w="9525">
                 <a:solidFill>
                   <a:schemeClr val="tx1"/>
                 </a:solidFill>
@@ -21137,7 +21137,7 @@
               </a14:hiddenLine>
             </a:ext>
             <a:ext uri="{AF507438-7753-43e0-B8FC-AC1667EBCBE1}">
-              <a14:hiddenEffects xmlns:a14="http://schemas.microsoft.com/office/drawing/2010/main">
+              <a14:hiddenEffects xmlns:a14="http://schemas.microsoft.com/office/drawing/2010/main" xmlns="">
                 <a:effectLst>
                   <a:outerShdw blurRad="63500" dist="38099" dir="2700000" algn="ctr" rotWithShape="0">
                     <a:srgbClr val="000000">
@@ -21184,14 +21184,14 @@
           <a:effectLst/>
           <a:extLst>
             <a:ext uri="{909E8E84-426E-40dd-AFC4-6F175D3DCCD1}">
-              <a14:hiddenFill xmlns:a14="http://schemas.microsoft.com/office/drawing/2010/main">
+              <a14:hiddenFill xmlns:a14="http://schemas.microsoft.com/office/drawing/2010/main" xmlns="">
                 <a:solidFill>
                   <a:schemeClr val="accent1"/>
                 </a:solidFill>
               </a14:hiddenFill>
             </a:ext>
             <a:ext uri="{91240B29-F687-4f45-9708-019B960494DF}">
-              <a14:hiddenLine xmlns:a14="http://schemas.microsoft.com/office/drawing/2010/main" w="9525">
+              <a14:hiddenLine xmlns:a14="http://schemas.microsoft.com/office/drawing/2010/main" xmlns="" w="9525">
                 <a:solidFill>
                   <a:schemeClr val="tx1"/>
                 </a:solidFill>
@@ -21201,7 +21201,7 @@
               </a14:hiddenLine>
             </a:ext>
             <a:ext uri="{AF507438-7753-43e0-B8FC-AC1667EBCBE1}">
-              <a14:hiddenEffects xmlns:a14="http://schemas.microsoft.com/office/drawing/2010/main">
+              <a14:hiddenEffects xmlns:a14="http://schemas.microsoft.com/office/drawing/2010/main" xmlns="">
                 <a:effectLst>
                   <a:outerShdw blurRad="63500" dist="38099" dir="2700000" algn="ctr" rotWithShape="0">
                     <a:srgbClr val="000000">
@@ -21272,14 +21272,14 @@
           </a:ln>
           <a:extLst>
             <a:ext uri="{909E8E84-426E-40dd-AFC4-6F175D3DCCD1}">
-              <a14:hiddenFill xmlns:a14="http://schemas.microsoft.com/office/drawing/2010/main">
+              <a14:hiddenFill xmlns:a14="http://schemas.microsoft.com/office/drawing/2010/main" xmlns="">
                 <a:solidFill>
                   <a:schemeClr val="accent1"/>
                 </a:solidFill>
               </a14:hiddenFill>
             </a:ext>
             <a:ext uri="{91240B29-F687-4f45-9708-019B960494DF}">
-              <a14:hiddenLine xmlns:a14="http://schemas.microsoft.com/office/drawing/2010/main" w="9525">
+              <a14:hiddenLine xmlns:a14="http://schemas.microsoft.com/office/drawing/2010/main" xmlns="" w="9525">
                 <a:solidFill>
                   <a:schemeClr val="tx1"/>
                 </a:solidFill>
@@ -21474,14 +21474,14 @@
           </a:ln>
           <a:extLst>
             <a:ext uri="{909E8E84-426E-40dd-AFC4-6F175D3DCCD1}">
-              <a14:hiddenFill xmlns:a14="http://schemas.microsoft.com/office/drawing/2010/main">
+              <a14:hiddenFill xmlns:a14="http://schemas.microsoft.com/office/drawing/2010/main" xmlns="">
                 <a:solidFill>
                   <a:srgbClr val="FFFFFF"/>
                 </a:solidFill>
               </a14:hiddenFill>
             </a:ext>
             <a:ext uri="{91240B29-F687-4f45-9708-019B960494DF}">
-              <a14:hiddenLine xmlns:a14="http://schemas.microsoft.com/office/drawing/2010/main" w="9525">
+              <a14:hiddenLine xmlns:a14="http://schemas.microsoft.com/office/drawing/2010/main" xmlns="" w="9525">
                 <a:solidFill>
                   <a:srgbClr val="000000"/>
                 </a:solidFill>
@@ -21664,14 +21664,14 @@
           </a:ln>
           <a:extLst>
             <a:ext uri="{909E8E84-426E-40dd-AFC4-6F175D3DCCD1}">
-              <a14:hiddenFill xmlns:a14="http://schemas.microsoft.com/office/drawing/2010/main">
+              <a14:hiddenFill xmlns:a14="http://schemas.microsoft.com/office/drawing/2010/main" xmlns="">
                 <a:solidFill>
                   <a:srgbClr val="FFFFFF"/>
                 </a:solidFill>
               </a14:hiddenFill>
             </a:ext>
             <a:ext uri="{91240B29-F687-4f45-9708-019B960494DF}">
-              <a14:hiddenLine xmlns:a14="http://schemas.microsoft.com/office/drawing/2010/main" w="9525">
+              <a14:hiddenLine xmlns:a14="http://schemas.microsoft.com/office/drawing/2010/main" xmlns="" w="9525">
                 <a:solidFill>
                   <a:srgbClr val="000000"/>
                 </a:solidFill>
@@ -21858,14 +21858,14 @@
           </a:ln>
           <a:extLst>
             <a:ext uri="{909E8E84-426E-40dd-AFC4-6F175D3DCCD1}">
-              <a14:hiddenFill xmlns:a14="http://schemas.microsoft.com/office/drawing/2010/main">
+              <a14:hiddenFill xmlns:a14="http://schemas.microsoft.com/office/drawing/2010/main" xmlns="">
                 <a:solidFill>
                   <a:srgbClr val="FFFFFF"/>
                 </a:solidFill>
               </a14:hiddenFill>
             </a:ext>
             <a:ext uri="{91240B29-F687-4f45-9708-019B960494DF}">
-              <a14:hiddenLine xmlns:a14="http://schemas.microsoft.com/office/drawing/2010/main" w="9525">
+              <a14:hiddenLine xmlns:a14="http://schemas.microsoft.com/office/drawing/2010/main" xmlns="" w="9525">
                 <a:solidFill>
                   <a:srgbClr val="000000"/>
                 </a:solidFill>
@@ -22026,14 +22026,14 @@
           </a:ln>
           <a:extLst>
             <a:ext uri="{909E8E84-426E-40dd-AFC4-6F175D3DCCD1}">
-              <a14:hiddenFill xmlns:a14="http://schemas.microsoft.com/office/drawing/2010/main">
+              <a14:hiddenFill xmlns:a14="http://schemas.microsoft.com/office/drawing/2010/main" xmlns="">
                 <a:solidFill>
                   <a:srgbClr val="FFFFFF"/>
                 </a:solidFill>
               </a14:hiddenFill>
             </a:ext>
             <a:ext uri="{91240B29-F687-4f45-9708-019B960494DF}">
-              <a14:hiddenLine xmlns:a14="http://schemas.microsoft.com/office/drawing/2010/main" w="9525">
+              <a14:hiddenLine xmlns:a14="http://schemas.microsoft.com/office/drawing/2010/main" xmlns="" w="9525">
                 <a:solidFill>
                   <a:srgbClr val="000000"/>
                 </a:solidFill>
@@ -22194,14 +22194,14 @@
           </a:ln>
           <a:extLst>
             <a:ext uri="{909E8E84-426E-40dd-AFC4-6F175D3DCCD1}">
-              <a14:hiddenFill xmlns:a14="http://schemas.microsoft.com/office/drawing/2010/main">
+              <a14:hiddenFill xmlns:a14="http://schemas.microsoft.com/office/drawing/2010/main" xmlns="">
                 <a:solidFill>
                   <a:srgbClr val="FFFFFF"/>
                 </a:solidFill>
               </a14:hiddenFill>
             </a:ext>
             <a:ext uri="{91240B29-F687-4f45-9708-019B960494DF}">
-              <a14:hiddenLine xmlns:a14="http://schemas.microsoft.com/office/drawing/2010/main" w="9525">
+              <a14:hiddenLine xmlns:a14="http://schemas.microsoft.com/office/drawing/2010/main" xmlns="" w="9525">
                 <a:solidFill>
                   <a:srgbClr val="000000"/>
                 </a:solidFill>
@@ -22368,7 +22368,7 @@
   <p:timing>
     <p:tnLst>
       <p:par>
-        <p:cTn xmlns:p14="http://schemas.microsoft.com/office/powerpoint/2010/main" id="1" dur="indefinite" restart="never" nodeType="tmRoot">
+        <p:cTn id="1" dur="indefinite" restart="never" nodeType="tmRoot">
           <p:childTnLst>
             <p:seq concurrent="1" nextAc="seek">
               <p:cTn id="2" dur="indefinite" nodeType="mainSeq">
@@ -25333,7 +25333,7 @@
           <p:cNvPr id="2" name="Title 1">
             <a:extLst>
               <a:ext uri="{FF2B5EF4-FFF2-40B4-BE49-F238E27FC236}">
-                <a16:creationId xmlns:a16="http://schemas.microsoft.com/office/drawing/2014/main" xmlns="" id="{F23E5BA6-1E7D-425F-B162-CAC7E7E57F14}"/>
+                <a16:creationId xmlns:a16="http://schemas.microsoft.com/office/drawing/2014/main" id="{F23E5BA6-1E7D-425F-B162-CAC7E7E57F14}"/>
               </a:ext>
             </a:extLst>
           </p:cNvPr>
@@ -25361,7 +25361,7 @@
           <p:cNvPr id="3" name="Content Placeholder 2">
             <a:extLst>
               <a:ext uri="{FF2B5EF4-FFF2-40B4-BE49-F238E27FC236}">
-                <a16:creationId xmlns:a16="http://schemas.microsoft.com/office/drawing/2014/main" xmlns="" id="{483BCE71-DFE2-47E6-9EA5-E20C008C1F30}"/>
+                <a16:creationId xmlns:a16="http://schemas.microsoft.com/office/drawing/2014/main" id="{483BCE71-DFE2-47E6-9EA5-E20C008C1F30}"/>
               </a:ext>
             </a:extLst>
           </p:cNvPr>
@@ -25399,21 +25399,8 @@
             <a:pPr lvl="2"/>
             <a:r>
               <a:rPr lang="en-US" dirty="0"/>
-              <a:t>Simple </a:t>
-            </a:r>
-            <a:r>
-              <a:rPr lang="en-US" dirty="0" smtClean="0"/>
-              <a:t>form</a:t>
-            </a:r>
-            <a:r>
-              <a:rPr lang="en-US" dirty="0"/>
-              <a:t> </a:t>
-            </a:r>
-            <a:r>
-              <a:rPr lang="en-US" dirty="0" smtClean="0"/>
-              <a:t>with key aspects of experiment</a:t>
-            </a:r>
-            <a:endParaRPr lang="en-US" dirty="0"/>
+              <a:t>Simple form with key aspects of experiment</a:t>
+            </a:r>
           </a:p>
           <a:p>
             <a:pPr lvl="2"/>
@@ -25493,7 +25480,7 @@
           <p:cNvPr id="4" name="Slide Number Placeholder 3">
             <a:extLst>
               <a:ext uri="{FF2B5EF4-FFF2-40B4-BE49-F238E27FC236}">
-                <a16:creationId xmlns:a16="http://schemas.microsoft.com/office/drawing/2014/main" xmlns="" id="{221DD0DA-57F9-4978-956D-70DC3D9B0855}"/>
+                <a16:creationId xmlns:a16="http://schemas.microsoft.com/office/drawing/2014/main" id="{221DD0DA-57F9-4978-956D-70DC3D9B0855}"/>
               </a:ext>
             </a:extLst>
           </p:cNvPr>
@@ -25553,7 +25540,7 @@
           <p:cNvPr id="2" name="Title 1">
             <a:extLst>
               <a:ext uri="{FF2B5EF4-FFF2-40B4-BE49-F238E27FC236}">
-                <a16:creationId xmlns:a16="http://schemas.microsoft.com/office/drawing/2014/main" xmlns="" id="{D58AC7FB-1802-497C-85DF-6D7A59DD826B}"/>
+                <a16:creationId xmlns:a16="http://schemas.microsoft.com/office/drawing/2014/main" id="{D58AC7FB-1802-497C-85DF-6D7A59DD826B}"/>
               </a:ext>
             </a:extLst>
           </p:cNvPr>
@@ -25576,13 +25563,8 @@
           <a:p>
             <a:r>
               <a:rPr lang="en-US" sz="2800" dirty="0"/>
-              <a:t>Experimental Design </a:t>
-            </a:r>
-            <a:r>
-              <a:rPr lang="en-US" sz="2800" dirty="0" smtClean="0"/>
-              <a:t>Meetings - Genomics</a:t>
-            </a:r>
-            <a:endParaRPr lang="en-US" sz="2800" dirty="0"/>
+              <a:t>Experimental Design Meetings - Genomics</a:t>
+            </a:r>
           </a:p>
         </p:txBody>
       </p:sp>
@@ -25591,7 +25573,7 @@
           <p:cNvPr id="3" name="Content Placeholder 2">
             <a:extLst>
               <a:ext uri="{FF2B5EF4-FFF2-40B4-BE49-F238E27FC236}">
-                <a16:creationId xmlns:a16="http://schemas.microsoft.com/office/drawing/2014/main" xmlns="" id="{65FDF9C7-600A-4A83-8164-BC245BFAE987}"/>
+                <a16:creationId xmlns:a16="http://schemas.microsoft.com/office/drawing/2014/main" id="{65FDF9C7-600A-4A83-8164-BC245BFAE987}"/>
               </a:ext>
             </a:extLst>
           </p:cNvPr>
@@ -25845,7 +25827,7 @@
           <p:cNvPr id="4" name="Slide Number Placeholder 3">
             <a:extLst>
               <a:ext uri="{FF2B5EF4-FFF2-40B4-BE49-F238E27FC236}">
-                <a16:creationId xmlns:a16="http://schemas.microsoft.com/office/drawing/2014/main" xmlns="" id="{1D0A2278-2102-48A9-AC63-39893DF7C182}"/>
+                <a16:creationId xmlns:a16="http://schemas.microsoft.com/office/drawing/2014/main" id="{1D0A2278-2102-48A9-AC63-39893DF7C182}"/>
               </a:ext>
             </a:extLst>
           </p:cNvPr>
@@ -25905,7 +25887,7 @@
           <p:cNvPr id="2" name="Title 1">
             <a:extLst>
               <a:ext uri="{FF2B5EF4-FFF2-40B4-BE49-F238E27FC236}">
-                <a16:creationId xmlns:a16="http://schemas.microsoft.com/office/drawing/2014/main" xmlns="" id="{D58AC7FB-1802-497C-85DF-6D7A59DD826B}"/>
+                <a16:creationId xmlns:a16="http://schemas.microsoft.com/office/drawing/2014/main" id="{D58AC7FB-1802-497C-85DF-6D7A59DD826B}"/>
               </a:ext>
             </a:extLst>
           </p:cNvPr>
@@ -25928,13 +25910,8 @@
           <a:p>
             <a:r>
               <a:rPr lang="en-US" sz="2800" dirty="0"/>
-              <a:t>Experimental Design </a:t>
-            </a:r>
-            <a:r>
-              <a:rPr lang="en-US" sz="2800" dirty="0" smtClean="0"/>
-              <a:t>Meetings - Proteomics</a:t>
-            </a:r>
-            <a:endParaRPr lang="en-US" sz="2800" dirty="0"/>
+              <a:t>Experimental Design Meetings - Proteomics</a:t>
+            </a:r>
           </a:p>
         </p:txBody>
       </p:sp>
@@ -25943,7 +25920,7 @@
           <p:cNvPr id="3" name="Content Placeholder 2">
             <a:extLst>
               <a:ext uri="{FF2B5EF4-FFF2-40B4-BE49-F238E27FC236}">
-                <a16:creationId xmlns:a16="http://schemas.microsoft.com/office/drawing/2014/main" xmlns="" id="{65FDF9C7-600A-4A83-8164-BC245BFAE987}"/>
+                <a16:creationId xmlns:a16="http://schemas.microsoft.com/office/drawing/2014/main" id="{65FDF9C7-600A-4A83-8164-BC245BFAE987}"/>
               </a:ext>
             </a:extLst>
           </p:cNvPr>
@@ -26004,11 +25981,11 @@
               <a:defRPr/>
             </a:pPr>
             <a:r>
-              <a:rPr lang="en-US" sz="1800" dirty="0" smtClean="0"/>
+              <a:rPr lang="en-US" sz="1800" dirty="0"/>
               <a:t>Email </a:t>
             </a:r>
             <a:r>
-              <a:rPr lang="en-US" sz="1800" u="sng" dirty="0" err="1" smtClean="0">
+              <a:rPr lang="en-US" sz="1800" u="sng" dirty="0" err="1">
                 <a:solidFill>
                   <a:srgbClr val="0000FF"/>
                 </a:solidFill>
@@ -26016,7 +25993,7 @@
               <a:t>ProteomicsProjectDesign@cruk.cam.ac.uk</a:t>
             </a:r>
             <a:r>
-              <a:rPr lang="en-US" sz="1800" u="sng" dirty="0" smtClean="0">
+              <a:rPr lang="en-US" sz="1800" u="sng" dirty="0">
                 <a:solidFill>
                   <a:srgbClr val="0000FF"/>
                 </a:solidFill>
@@ -26024,20 +26001,12 @@
               <a:t> </a:t>
             </a:r>
             <a:r>
-              <a:rPr lang="en-US" sz="1800" dirty="0" smtClean="0">
+              <a:rPr lang="en-US" sz="1800" dirty="0">
                 <a:solidFill>
                   <a:srgbClr val="000000"/>
                 </a:solidFill>
               </a:rPr>
-              <a:t>to </a:t>
-            </a:r>
-            <a:r>
-              <a:rPr lang="en-US" sz="1800" dirty="0">
-                <a:solidFill>
-                  <a:srgbClr val="000000"/>
-                </a:solidFill>
-              </a:rPr>
-              <a:t>request meeting</a:t>
+              <a:t>to request meeting</a:t>
             </a:r>
           </a:p>
           <a:p>
@@ -26053,7 +26022,7 @@
               <a:t>Fill in </a:t>
             </a:r>
             <a:r>
-              <a:rPr lang="en-US" sz="1800" u="sng" dirty="0" err="1" smtClean="0">
+              <a:rPr lang="en-US" sz="1800" u="sng" dirty="0" err="1">
                 <a:solidFill>
                   <a:srgbClr val="0000FF"/>
                 </a:solidFill>
@@ -26061,7 +26030,7 @@
               <a:t>ProteomicsMetadataTemplate.xls</a:t>
             </a:r>
             <a:r>
-              <a:rPr lang="en-US" sz="1800" dirty="0" smtClean="0">
+              <a:rPr lang="en-US" sz="1800" dirty="0">
                 <a:solidFill>
                   <a:srgbClr val="000000"/>
                 </a:solidFill>
@@ -26069,12 +26038,8 @@
               <a:t> </a:t>
             </a:r>
             <a:r>
-              <a:rPr lang="en-US" sz="1800" b="1" dirty="0" smtClean="0"/>
-              <a:t>Your </a:t>
-            </a:r>
-            <a:r>
               <a:rPr lang="en-US" sz="1800" b="1" dirty="0"/>
-              <a:t>attendance</a:t>
+              <a:t>Your attendance</a:t>
             </a:r>
           </a:p>
           <a:p>
@@ -26104,13 +26069,8 @@
             </a:pPr>
             <a:r>
               <a:rPr lang="en-US" sz="1800" dirty="0"/>
-              <a:t>Discussion</a:t>
-            </a:r>
-            <a:r>
-              <a:rPr lang="en-US" sz="1800" dirty="0" smtClean="0"/>
-              <a:t>:</a:t>
-            </a:r>
-            <a:endParaRPr lang="en-US" sz="1800" dirty="0"/>
+              <a:t>Discussion:</a:t>
+            </a:r>
           </a:p>
           <a:p>
             <a:pPr lvl="2">
@@ -26136,7 +26096,7 @@
             </a:pPr>
             <a:r>
               <a:rPr lang="en-US" dirty="0"/>
-              <a:t>Effect size &amp; Sample-size calculation?</a:t>
+              <a:t>Sample collection and processing methods</a:t>
             </a:r>
           </a:p>
           <a:p>
@@ -26145,7 +26105,7 @@
             </a:pPr>
             <a:r>
               <a:rPr lang="en-US" dirty="0"/>
-              <a:t>Sample collection and processing methods</a:t>
+              <a:t>Sample information (meta-data) collection</a:t>
             </a:r>
           </a:p>
           <a:p>
@@ -26153,30 +26113,12 @@
               <a:defRPr/>
             </a:pPr>
             <a:r>
-              <a:rPr lang="en-US" dirty="0"/>
-              <a:t>Sample information (meta-data) collection</a:t>
-            </a:r>
-          </a:p>
-          <a:p>
-            <a:pPr lvl="2">
-              <a:defRPr/>
-            </a:pPr>
-            <a:r>
               <a:rPr lang="en-US" dirty="0" err="1"/>
               <a:t>Randomisation</a:t>
             </a:r>
             <a:r>
               <a:rPr lang="en-US" dirty="0"/>
               <a:t>, Blocking and Replication issues</a:t>
-            </a:r>
-          </a:p>
-          <a:p>
-            <a:pPr lvl="2">
-              <a:defRPr/>
-            </a:pPr>
-            <a:r>
-              <a:rPr lang="en-US" dirty="0"/>
-              <a:t>Technical issues e.g. what sequencing depth?</a:t>
             </a:r>
           </a:p>
           <a:p>
@@ -26207,7 +26149,7 @@
           <p:cNvPr id="4" name="Slide Number Placeholder 3">
             <a:extLst>
               <a:ext uri="{FF2B5EF4-FFF2-40B4-BE49-F238E27FC236}">
-                <a16:creationId xmlns:a16="http://schemas.microsoft.com/office/drawing/2014/main" xmlns="" id="{1D0A2278-2102-48A9-AC63-39893DF7C182}"/>
+                <a16:creationId xmlns:a16="http://schemas.microsoft.com/office/drawing/2014/main" id="{1D0A2278-2102-48A9-AC63-39893DF7C182}"/>
               </a:ext>
             </a:extLst>
           </p:cNvPr>
@@ -26267,7 +26209,7 @@
           <p:cNvPr id="2" name="Title 1">
             <a:extLst>
               <a:ext uri="{FF2B5EF4-FFF2-40B4-BE49-F238E27FC236}">
-                <a16:creationId xmlns:a16="http://schemas.microsoft.com/office/drawing/2014/main" xmlns="" id="{9991CD41-998A-4DAA-A24E-D69C6D49A356}"/>
+                <a16:creationId xmlns:a16="http://schemas.microsoft.com/office/drawing/2014/main" id="{9991CD41-998A-4DAA-A24E-D69C6D49A356}"/>
               </a:ext>
             </a:extLst>
           </p:cNvPr>
@@ -26295,7 +26237,7 @@
           <p:cNvPr id="3" name="Content Placeholder 2">
             <a:extLst>
               <a:ext uri="{FF2B5EF4-FFF2-40B4-BE49-F238E27FC236}">
-                <a16:creationId xmlns:a16="http://schemas.microsoft.com/office/drawing/2014/main" xmlns="" id="{CB4385D4-BEF2-4856-A6ED-B12302263003}"/>
+                <a16:creationId xmlns:a16="http://schemas.microsoft.com/office/drawing/2014/main" id="{CB4385D4-BEF2-4856-A6ED-B12302263003}"/>
               </a:ext>
             </a:extLst>
           </p:cNvPr>
@@ -26373,7 +26315,7 @@
           <p:cNvPr id="4" name="Slide Number Placeholder 3">
             <a:extLst>
               <a:ext uri="{FF2B5EF4-FFF2-40B4-BE49-F238E27FC236}">
-                <a16:creationId xmlns:a16="http://schemas.microsoft.com/office/drawing/2014/main" xmlns="" id="{05FFBC20-2C5A-48B8-9022-BECCD471DB1D}"/>
+                <a16:creationId xmlns:a16="http://schemas.microsoft.com/office/drawing/2014/main" id="{05FFBC20-2C5A-48B8-9022-BECCD471DB1D}"/>
               </a:ext>
             </a:extLst>
           </p:cNvPr>
@@ -26433,7 +26375,7 @@
           <p:cNvPr id="2" name="Title 1">
             <a:extLst>
               <a:ext uri="{FF2B5EF4-FFF2-40B4-BE49-F238E27FC236}">
-                <a16:creationId xmlns:a16="http://schemas.microsoft.com/office/drawing/2014/main" xmlns="" id="{560B1D18-D971-439C-B415-9D6BDD30E441}"/>
+                <a16:creationId xmlns:a16="http://schemas.microsoft.com/office/drawing/2014/main" id="{560B1D18-D971-439C-B415-9D6BDD30E441}"/>
               </a:ext>
             </a:extLst>
           </p:cNvPr>
@@ -26462,7 +26404,7 @@
           <p:cNvPr id="3" name="Content Placeholder 2">
             <a:extLst>
               <a:ext uri="{FF2B5EF4-FFF2-40B4-BE49-F238E27FC236}">
-                <a16:creationId xmlns:a16="http://schemas.microsoft.com/office/drawing/2014/main" xmlns="" id="{5F2278A2-7A4A-49E0-8223-21CD37E2058B}"/>
+                <a16:creationId xmlns:a16="http://schemas.microsoft.com/office/drawing/2014/main" id="{5F2278A2-7A4A-49E0-8223-21CD37E2058B}"/>
               </a:ext>
             </a:extLst>
           </p:cNvPr>
@@ -26614,18 +26556,10 @@
                   <a:schemeClr val="tx2"/>
                 </a:solidFill>
               </a:rPr>
-              <a:t>: Transcription factor binding divergence in mice </a:t>
-            </a:r>
-            <a:r>
-              <a:rPr lang="en-US" sz="3000" b="0" cap="none" dirty="0" smtClean="0">
-                <a:solidFill>
-                  <a:schemeClr val="tx2"/>
-                </a:solidFill>
-              </a:rPr>
-              <a:t>(</a:t>
-            </a:r>
-            <a:r>
-              <a:rPr lang="en-US" sz="3000" b="0" cap="none" dirty="0" err="1" smtClean="0">
+              <a:t>: Transcription factor binding divergence in mice (</a:t>
+            </a:r>
+            <a:r>
+              <a:rPr lang="en-US" sz="3000" b="0" cap="none" dirty="0" err="1">
                 <a:solidFill>
                   <a:schemeClr val="accent2"/>
                 </a:solidFill>
@@ -26633,18 +26567,13 @@
               <a:t>Chandu</a:t>
             </a:r>
             <a:r>
-              <a:rPr lang="en-US" sz="3000" b="0" cap="none" dirty="0" smtClean="0">
+              <a:rPr lang="en-US" sz="3000" b="0" cap="none" dirty="0">
                 <a:solidFill>
                   <a:schemeClr val="tx2"/>
                 </a:solidFill>
               </a:rPr>
               <a:t>)</a:t>
             </a:r>
-            <a:endParaRPr lang="en-US" sz="3000" b="0" cap="none" dirty="0">
-              <a:solidFill>
-                <a:schemeClr val="tx2"/>
-              </a:solidFill>
-            </a:endParaRPr>
           </a:p>
           <a:p>
             <a:pPr marL="514350" lvl="0" indent="-514350">
@@ -26672,18 +26601,10 @@
                   <a:schemeClr val="tx2"/>
                 </a:solidFill>
               </a:rPr>
-              <a:t>: AR interactome differences between drug responsive/resistant conditions </a:t>
-            </a:r>
-            <a:r>
-              <a:rPr lang="en-US" sz="3000" b="0" cap="none" dirty="0" smtClean="0">
-                <a:solidFill>
-                  <a:schemeClr val="tx2"/>
-                </a:solidFill>
-              </a:rPr>
-              <a:t>(</a:t>
-            </a:r>
-            <a:r>
-              <a:rPr lang="en-US" sz="3000" b="0" cap="none" dirty="0" smtClean="0">
+              <a:t>: AR interactome differences between drug responsive/resistant conditions (</a:t>
+            </a:r>
+            <a:r>
+              <a:rPr lang="en-US" sz="3000" b="0" cap="none" dirty="0">
                 <a:solidFill>
                   <a:schemeClr val="accent2"/>
                 </a:solidFill>
@@ -26691,18 +26612,13 @@
               <a:t>Kamal</a:t>
             </a:r>
             <a:r>
-              <a:rPr lang="en-US" sz="3000" b="0" cap="none" dirty="0" smtClean="0">
+              <a:rPr lang="en-US" sz="3000" b="0" cap="none" dirty="0">
                 <a:solidFill>
                   <a:schemeClr val="tx2"/>
                 </a:solidFill>
               </a:rPr>
               <a:t>)</a:t>
             </a:r>
-            <a:endParaRPr lang="en-US" sz="3000" b="0" cap="none" dirty="0">
-              <a:solidFill>
-                <a:schemeClr val="tx2"/>
-              </a:solidFill>
-            </a:endParaRPr>
           </a:p>
           <a:p>
             <a:endParaRPr lang="en-US" dirty="0"/>
@@ -26714,7 +26630,7 @@
           <p:cNvPr id="4" name="Slide Number Placeholder 3">
             <a:extLst>
               <a:ext uri="{FF2B5EF4-FFF2-40B4-BE49-F238E27FC236}">
-                <a16:creationId xmlns:a16="http://schemas.microsoft.com/office/drawing/2014/main" xmlns="" id="{82F97F01-5522-46EE-925F-EAB99165A37A}"/>
+                <a16:creationId xmlns:a16="http://schemas.microsoft.com/office/drawing/2014/main" id="{82F97F01-5522-46EE-925F-EAB99165A37A}"/>
               </a:ext>
             </a:extLst>
           </p:cNvPr>
@@ -27589,8 +27505,8 @@
         </p:nvSpPr>
         <p:spPr>
           <a:xfrm>
-            <a:off x="3296816" y="6021288"/>
-            <a:ext cx="2952328" cy="523220"/>
+            <a:off x="3152800" y="6023084"/>
+            <a:ext cx="2635589" cy="523220"/>
           </a:xfrm>
           <a:prstGeom prst="rect">
             <a:avLst/>
@@ -30024,6 +29940,15 @@
 </file>
 
 <file path=customXml/item1.xml><?xml version="1.0" encoding="utf-8"?>
+<?mso-contentType ?>
+<FormTemplates xmlns="http://schemas.microsoft.com/sharepoint/v3/contenttype/forms">
+  <Display>DocumentLibraryForm</Display>
+  <Edit>DocumentLibraryForm</Edit>
+  <New>DocumentLibraryForm</New>
+</FormTemplates>
+</file>
+
+<file path=customXml/item2.xml><?xml version="1.0" encoding="utf-8"?>
 <ct:contentTypeSchema xmlns:ct="http://schemas.microsoft.com/office/2006/metadata/contentType" xmlns:ma="http://schemas.microsoft.com/office/2006/metadata/properties/metaAttributes" ct:_="" ma:_="" ma:contentTypeName="Document" ma:contentTypeID="0x01010012CD462874CE0C46A04B79CE3BA52F53" ma:contentTypeVersion="0" ma:contentTypeDescription="Create a new document." ma:contentTypeScope="" ma:versionID="cab34115d545c224939113a9716b2953">
   <xsd:schema xmlns:xsd="http://www.w3.org/2001/XMLSchema" xmlns:xs="http://www.w3.org/2001/XMLSchema" xmlns:p="http://schemas.microsoft.com/office/2006/metadata/properties" targetNamespace="http://schemas.microsoft.com/office/2006/metadata/properties" ma:root="true" ma:fieldsID="c64490b4aec6201516c3a874156f37b2">
     <xsd:element name="properties">
@@ -30137,15 +30062,6 @@
 </ct:contentTypeSchema>
 </file>
 
-<file path=customXml/item2.xml><?xml version="1.0" encoding="utf-8"?>
-<?mso-contentType ?>
-<FormTemplates xmlns="http://schemas.microsoft.com/sharepoint/v3/contenttype/forms">
-  <Display>DocumentLibraryForm</Display>
-  <Edit>DocumentLibraryForm</Edit>
-  <New>DocumentLibraryForm</New>
-</FormTemplates>
-</file>
-
 <file path=customXml/item3.xml><?xml version="1.0" encoding="utf-8"?>
 <p:properties xmlns:p="http://schemas.microsoft.com/office/2006/metadata/properties" xmlns:xsi="http://www.w3.org/2001/XMLSchema-instance" xmlns:pc="http://schemas.microsoft.com/office/infopath/2007/PartnerControls">
   <documentManagement/>
@@ -30153,6 +30069,14 @@
 </file>
 
 <file path=customXml/itemProps1.xml><?xml version="1.0" encoding="utf-8"?>
+<ds:datastoreItem xmlns:ds="http://schemas.openxmlformats.org/officeDocument/2006/customXml" ds:itemID="{28E5E1AA-2083-4318-84DD-F5A6A6E1E677}">
+  <ds:schemaRefs>
+    <ds:schemaRef ds:uri="http://schemas.microsoft.com/sharepoint/v3/contenttype/forms"/>
+  </ds:schemaRefs>
+</ds:datastoreItem>
+</file>
+
+<file path=customXml/itemProps2.xml><?xml version="1.0" encoding="utf-8"?>
 <ds:datastoreItem xmlns:ds="http://schemas.openxmlformats.org/officeDocument/2006/customXml" ds:itemID="{9DE55B6D-CC67-41E3-A084-006FDF826E17}">
   <ds:schemaRefs>
     <ds:schemaRef ds:uri="http://schemas.microsoft.com/office/2006/metadata/contentType"/>
@@ -30164,14 +30088,6 @@
     <ds:schemaRef ds:uri="http://purl.org/dc/terms/"/>
     <ds:schemaRef ds:uri="http://schemas.microsoft.com/internal/obd"/>
     <ds:schemaRef ds:uri="http://schemas.microsoft.com/office/infopath/2007/PartnerControls"/>
-  </ds:schemaRefs>
-</ds:datastoreItem>
-</file>
-
-<file path=customXml/itemProps2.xml><?xml version="1.0" encoding="utf-8"?>
-<ds:datastoreItem xmlns:ds="http://schemas.openxmlformats.org/officeDocument/2006/customXml" ds:itemID="{28E5E1AA-2083-4318-84DD-F5A6A6E1E677}">
-  <ds:schemaRefs>
-    <ds:schemaRef ds:uri="http://schemas.microsoft.com/sharepoint/v3/contenttype/forms"/>
   </ds:schemaRefs>
 </ds:datastoreItem>
 </file>
